--- a/1D data to 2D image/PSR.pptx
+++ b/1D data to 2D image/PSR.pptx
@@ -130,7 +130,7 @@
   <pc:docChgLst>
     <pc:chgData name="Oliver Lin" userId="f88995db-9a59-4333-b85f-aeb175e7e638" providerId="ADAL" clId="{0929E2F6-1743-8647-881E-2A80573EE523}"/>
     <pc:docChg chg="undo custSel addSld delSld modSld">
-      <pc:chgData name="Oliver Lin" userId="f88995db-9a59-4333-b85f-aeb175e7e638" providerId="ADAL" clId="{0929E2F6-1743-8647-881E-2A80573EE523}" dt="2022-05-25T10:34:29.958" v="556" actId="1076"/>
+      <pc:chgData name="Oliver Lin" userId="f88995db-9a59-4333-b85f-aeb175e7e638" providerId="ADAL" clId="{0929E2F6-1743-8647-881E-2A80573EE523}" dt="2022-05-25T10:41:56.545" v="648" actId="20577"/>
       <pc:docMkLst>
         <pc:docMk/>
       </pc:docMkLst>
@@ -204,7 +204,7 @@
         </pc:spChg>
       </pc:sldChg>
       <pc:sldChg chg="addSp modSp new mod">
-        <pc:chgData name="Oliver Lin" userId="f88995db-9a59-4333-b85f-aeb175e7e638" providerId="ADAL" clId="{0929E2F6-1743-8647-881E-2A80573EE523}" dt="2022-05-25T10:19:01.133" v="206" actId="113"/>
+        <pc:chgData name="Oliver Lin" userId="f88995db-9a59-4333-b85f-aeb175e7e638" providerId="ADAL" clId="{0929E2F6-1743-8647-881E-2A80573EE523}" dt="2022-05-25T10:41:56.545" v="648" actId="20577"/>
         <pc:sldMkLst>
           <pc:docMk/>
           <pc:sldMk cId="4255078685" sldId="259"/>
@@ -218,7 +218,7 @@
           </ac:spMkLst>
         </pc:spChg>
         <pc:spChg chg="mod">
-          <ac:chgData name="Oliver Lin" userId="f88995db-9a59-4333-b85f-aeb175e7e638" providerId="ADAL" clId="{0929E2F6-1743-8647-881E-2A80573EE523}" dt="2022-05-25T10:19:01.133" v="206" actId="113"/>
+          <ac:chgData name="Oliver Lin" userId="f88995db-9a59-4333-b85f-aeb175e7e638" providerId="ADAL" clId="{0929E2F6-1743-8647-881E-2A80573EE523}" dt="2022-05-25T10:41:56.545" v="648" actId="20577"/>
           <ac:spMkLst>
             <pc:docMk/>
             <pc:sldMk cId="4255078685" sldId="259"/>
@@ -4696,12 +4696,13 @@
             </a:r>
             <a:r>
               <a:rPr lang="en-US" dirty="0"/>
-              <a:t>is determined by dropping the I(S, Q) value to a sufficient small value </a:t>
-            </a:r>
-            <a:r>
-              <a:rPr lang="en-US" b="1" dirty="0"/>
-              <a:t>1/e</a:t>
-            </a:r>
+              <a:t>is determined by dropping the I(S, Q) value to a sufficient small value 1/e.(here we not need to care about that cause we just want the </a:t>
+            </a:r>
+            <a:r>
+              <a:rPr lang="en-US"/>
+              <a:t>image itself)</a:t>
+            </a:r>
+            <a:endParaRPr lang="en-US" dirty="0"/>
           </a:p>
           <a:p>
             <a:endParaRPr lang="en-GB" dirty="0"/>
